--- a/Prezentacija.pptx
+++ b/Prezentacija.pptx
@@ -117,6 +117,11 @@
       </a:defRPr>
     </a:lvl9pPr>
   </p:defaultTextStyle>
+  <p:extLst>
+    <p:ext uri="{EFAFB233-063F-42B5-8137-9DF3F51BA10A}">
+      <p15:sldGuideLst xmlns:p15="http://schemas.microsoft.com/office/powerpoint/2012/main"/>
+    </p:ext>
+  </p:extLst>
 </p:presentation>
 </file>
 
@@ -228,7 +233,7 @@
           <a:p>
             <a:fld id="{C24BFF0F-4451-49D9-835F-BDC097DF3342}" type="datetimeFigureOut">
               <a:rPr lang="en-US" smtClean="0"/>
-              <a:t>2025-09-10</a:t>
+              <a:t>2025-09-18</a:t>
             </a:fld>
             <a:endParaRPr lang="en-US"/>
           </a:p>
@@ -5775,7 +5780,7 @@
           <a:p>
             <a:fld id="{F4FEC146-2572-4D6E-864A-13E0EF8D8B5B}" type="datetimeFigureOut">
               <a:rPr lang="en-US" smtClean="0"/>
-              <a:t>2025-09-10</a:t>
+              <a:t>2025-09-18</a:t>
             </a:fld>
             <a:endParaRPr lang="en-US"/>
           </a:p>
@@ -6113,7 +6118,7 @@
           <a:p>
             <a:fld id="{F4FEC146-2572-4D6E-864A-13E0EF8D8B5B}" type="datetimeFigureOut">
               <a:rPr lang="en-US" smtClean="0"/>
-              <a:t>2025-09-10</a:t>
+              <a:t>2025-09-18</a:t>
             </a:fld>
             <a:endParaRPr lang="en-US"/>
           </a:p>
@@ -6514,7 +6519,7 @@
           <a:p>
             <a:fld id="{F4FEC146-2572-4D6E-864A-13E0EF8D8B5B}" type="datetimeFigureOut">
               <a:rPr lang="en-US" smtClean="0"/>
-              <a:t>2025-09-10</a:t>
+              <a:t>2025-09-18</a:t>
             </a:fld>
             <a:endParaRPr lang="en-US"/>
           </a:p>
@@ -6850,7 +6855,7 @@
           <a:p>
             <a:fld id="{F4FEC146-2572-4D6E-864A-13E0EF8D8B5B}" type="datetimeFigureOut">
               <a:rPr lang="en-US" smtClean="0"/>
-              <a:t>2025-09-10</a:t>
+              <a:t>2025-09-18</a:t>
             </a:fld>
             <a:endParaRPr lang="en-US"/>
           </a:p>
@@ -7170,7 +7175,7 @@
           <a:p>
             <a:fld id="{F4FEC146-2572-4D6E-864A-13E0EF8D8B5B}" type="datetimeFigureOut">
               <a:rPr lang="en-US" smtClean="0"/>
-              <a:t>2025-09-10</a:t>
+              <a:t>2025-09-18</a:t>
             </a:fld>
             <a:endParaRPr lang="en-US"/>
           </a:p>
@@ -7566,7 +7571,7 @@
           <a:p>
             <a:fld id="{F4FEC146-2572-4D6E-864A-13E0EF8D8B5B}" type="datetimeFigureOut">
               <a:rPr lang="en-US" smtClean="0"/>
-              <a:t>2025-09-10</a:t>
+              <a:t>2025-09-18</a:t>
             </a:fld>
             <a:endParaRPr lang="en-US"/>
           </a:p>
@@ -7823,7 +7828,7 @@
           <a:p>
             <a:fld id="{F4FEC146-2572-4D6E-864A-13E0EF8D8B5B}" type="datetimeFigureOut">
               <a:rPr lang="en-US" smtClean="0"/>
-              <a:t>2025-09-10</a:t>
+              <a:t>2025-09-18</a:t>
             </a:fld>
             <a:endParaRPr lang="en-US"/>
           </a:p>
@@ -8085,7 +8090,7 @@
           <a:p>
             <a:fld id="{F4FEC146-2572-4D6E-864A-13E0EF8D8B5B}" type="datetimeFigureOut">
               <a:rPr lang="en-US" smtClean="0"/>
-              <a:t>2025-09-10</a:t>
+              <a:t>2025-09-18</a:t>
             </a:fld>
             <a:endParaRPr lang="en-US"/>
           </a:p>
@@ -8347,7 +8352,7 @@
           <a:p>
             <a:fld id="{F4FEC146-2572-4D6E-864A-13E0EF8D8B5B}" type="datetimeFigureOut">
               <a:rPr lang="en-US" smtClean="0"/>
-              <a:t>2025-09-10</a:t>
+              <a:t>2025-09-18</a:t>
             </a:fld>
             <a:endParaRPr lang="en-US"/>
           </a:p>
@@ -8676,7 +8681,7 @@
           <a:p>
             <a:fld id="{F4FEC146-2572-4D6E-864A-13E0EF8D8B5B}" type="datetimeFigureOut">
               <a:rPr lang="en-US" smtClean="0"/>
-              <a:t>2025-09-10</a:t>
+              <a:t>2025-09-18</a:t>
             </a:fld>
             <a:endParaRPr lang="en-US"/>
           </a:p>
@@ -8999,7 +9004,7 @@
           <a:p>
             <a:fld id="{F4FEC146-2572-4D6E-864A-13E0EF8D8B5B}" type="datetimeFigureOut">
               <a:rPr lang="en-US" smtClean="0"/>
-              <a:t>2025-09-10</a:t>
+              <a:t>2025-09-18</a:t>
             </a:fld>
             <a:endParaRPr lang="en-US"/>
           </a:p>
@@ -9456,7 +9461,7 @@
           <a:p>
             <a:fld id="{F4FEC146-2572-4D6E-864A-13E0EF8D8B5B}" type="datetimeFigureOut">
               <a:rPr lang="en-US" smtClean="0"/>
-              <a:t>2025-09-10</a:t>
+              <a:t>2025-09-18</a:t>
             </a:fld>
             <a:endParaRPr lang="en-US"/>
           </a:p>
@@ -9661,7 +9666,7 @@
           <a:p>
             <a:fld id="{F4FEC146-2572-4D6E-864A-13E0EF8D8B5B}" type="datetimeFigureOut">
               <a:rPr lang="en-US" smtClean="0"/>
-              <a:t>2025-09-10</a:t>
+              <a:t>2025-09-18</a:t>
             </a:fld>
             <a:endParaRPr lang="en-US"/>
           </a:p>
@@ -9838,7 +9843,7 @@
           <a:p>
             <a:fld id="{F4FEC146-2572-4D6E-864A-13E0EF8D8B5B}" type="datetimeFigureOut">
               <a:rPr lang="en-US" smtClean="0"/>
-              <a:t>2025-09-10</a:t>
+              <a:t>2025-09-18</a:t>
             </a:fld>
             <a:endParaRPr lang="en-US"/>
           </a:p>
@@ -10171,7 +10176,7 @@
           <a:p>
             <a:fld id="{F4FEC146-2572-4D6E-864A-13E0EF8D8B5B}" type="datetimeFigureOut">
               <a:rPr lang="en-US" smtClean="0"/>
-              <a:t>2025-09-10</a:t>
+              <a:t>2025-09-18</a:t>
             </a:fld>
             <a:endParaRPr lang="en-US"/>
           </a:p>
@@ -10516,7 +10521,7 @@
           <a:p>
             <a:fld id="{F4FEC146-2572-4D6E-864A-13E0EF8D8B5B}" type="datetimeFigureOut">
               <a:rPr lang="en-US" smtClean="0"/>
-              <a:t>2025-09-10</a:t>
+              <a:t>2025-09-18</a:t>
             </a:fld>
             <a:endParaRPr lang="en-US"/>
           </a:p>
@@ -12633,7 +12638,7 @@
           <a:p>
             <a:fld id="{F4FEC146-2572-4D6E-864A-13E0EF8D8B5B}" type="datetimeFigureOut">
               <a:rPr lang="en-US" smtClean="0"/>
-              <a:t>2025-09-10</a:t>
+              <a:t>2025-09-18</a:t>
             </a:fld>
             <a:endParaRPr lang="en-US"/>
           </a:p>
@@ -14182,8 +14187,8 @@
         </p:nvSpPr>
         <p:spPr>
           <a:xfrm>
-            <a:off x="2589212" y="1600200"/>
-            <a:ext cx="8915400" cy="4311023"/>
+            <a:off x="2589212" y="2160494"/>
+            <a:ext cx="8915400" cy="3750729"/>
           </a:xfrm>
         </p:spPr>
         <p:txBody>
